--- a/cache/af2d657a-e6b3-4c6a-9f67-9e3ed015974c/9_1.pptx
+++ b/cache/af2d657a-e6b3-4c6a-9f67-9e3ed015974c/9_1.pptx
@@ -68,7 +68,7 @@
         <p:txBody>
           <a:bodyPr/>
           <a:p>
-            <a:fld id="{4161F057-E3A4-4EB6-A83D-E566693AC0E7}" type="slidenum">
+            <a:fld id="{9CD50248-69B1-49EB-ACD2-461E6B8035E2}" type="slidenum">
               <a:t>&lt;#&gt;</a:t>
             </a:fld>
           </a:p>
@@ -256,7 +256,7 @@
         <p:txBody>
           <a:bodyPr/>
           <a:p>
-            <a:fld id="{5B330D4C-9730-45A4-8FE9-DD6D4CE0B635}" type="slidenum">
+            <a:fld id="{9347692B-AF1E-4704-BD02-4DA4A9314E61}" type="slidenum">
               <a:t>&lt;#&gt;</a:t>
             </a:fld>
           </a:p>
@@ -512,7 +512,7 @@
         <p:txBody>
           <a:bodyPr/>
           <a:p>
-            <a:fld id="{C000E61E-D50C-4042-8F17-51F27EA5DAD6}" type="slidenum">
+            <a:fld id="{EBABD9F4-5308-4332-9BC3-D7DEC837B3C1}" type="slidenum">
               <a:t>&lt;#&gt;</a:t>
             </a:fld>
           </a:p>
@@ -836,7 +836,7 @@
         <p:txBody>
           <a:bodyPr/>
           <a:p>
-            <a:fld id="{433513F5-50FC-4E0A-BCC8-397059EF18F2}" type="slidenum">
+            <a:fld id="{79BF3AB1-6DD9-4D82-8BFD-4ADD19B381F4}" type="slidenum">
               <a:t>&lt;#&gt;</a:t>
             </a:fld>
           </a:p>
@@ -993,7 +993,7 @@
         <p:txBody>
           <a:bodyPr/>
           <a:p>
-            <a:fld id="{B85184A1-AC83-45DC-9E4C-9074750F9475}" type="slidenum">
+            <a:fld id="{3B7EB2AB-FF58-41B7-AA19-4E792DAC5A89}" type="slidenum">
               <a:t>&lt;#&gt;</a:t>
             </a:fld>
           </a:p>
@@ -1147,7 +1147,7 @@
         <p:txBody>
           <a:bodyPr/>
           <a:p>
-            <a:fld id="{B627A419-3687-42BF-899D-EB9444285B1F}" type="slidenum">
+            <a:fld id="{346B895C-C166-4689-8E7F-DFE0AAF694E9}" type="slidenum">
               <a:t>&lt;#&gt;</a:t>
             </a:fld>
           </a:p>
@@ -1335,7 +1335,7 @@
         <p:txBody>
           <a:bodyPr/>
           <a:p>
-            <a:fld id="{A158FE6A-C714-4033-8D20-0864F784B694}" type="slidenum">
+            <a:fld id="{3B7B0F7A-5502-40AF-A0F5-86FFB832B787}" type="slidenum">
               <a:t>&lt;#&gt;</a:t>
             </a:fld>
           </a:p>
@@ -1455,7 +1455,7 @@
         <p:txBody>
           <a:bodyPr/>
           <a:p>
-            <a:fld id="{8E235713-555F-4014-AC46-7C8BB67E851A}" type="slidenum">
+            <a:fld id="{DD6BF316-BF19-461C-8204-119E9588DF0D}" type="slidenum">
               <a:t>&lt;#&gt;</a:t>
             </a:fld>
           </a:p>
@@ -1575,7 +1575,7 @@
         <p:txBody>
           <a:bodyPr/>
           <a:p>
-            <a:fld id="{513EEA6E-30AA-4E98-989B-99513E41158A}" type="slidenum">
+            <a:fld id="{78E43133-F95C-44D0-9772-6604DCC025D1}" type="slidenum">
               <a:t>&lt;#&gt;</a:t>
             </a:fld>
           </a:p>
@@ -1797,7 +1797,7 @@
         <p:txBody>
           <a:bodyPr/>
           <a:p>
-            <a:fld id="{06D72B2A-34D7-4A72-BC21-90E8B50690BA}" type="slidenum">
+            <a:fld id="{7408BCF2-0A91-480F-A45B-D1D3B3139BB6}" type="slidenum">
               <a:t>&lt;#&gt;</a:t>
             </a:fld>
           </a:p>
@@ -2019,7 +2019,7 @@
         <p:txBody>
           <a:bodyPr/>
           <a:p>
-            <a:fld id="{F7F0D1D0-BB69-4AFE-823C-D4655763A04D}" type="slidenum">
+            <a:fld id="{A3B90056-AB5D-4108-91DE-8F7A490E83C5}" type="slidenum">
               <a:t>&lt;#&gt;</a:t>
             </a:fld>
           </a:p>
@@ -2241,7 +2241,7 @@
         <p:txBody>
           <a:bodyPr/>
           <a:p>
-            <a:fld id="{CF69AE13-79A6-4B7F-A2A2-EC7E10E377E8}" type="slidenum">
+            <a:fld id="{DD049895-5366-40E3-B8F5-8D2A7E6C9E17}" type="slidenum">
               <a:t>&lt;#&gt;</a:t>
             </a:fld>
           </a:p>
@@ -2346,7 +2346,7 @@
               <a:rPr b="0" lang="en-HK" sz="1400" spc="-1" strike="noStrike">
                 <a:latin typeface="Times New Roman"/>
               </a:rPr>
-              <a:t>&lt;footer&gt;</a:t>
+              <a:t> </a:t>
             </a:r>
             <a:endParaRPr b="0" lang="en-HK" sz="1400" spc="-1" strike="noStrike">
               <a:latin typeface="Times New Roman"/>
@@ -2402,14 +2402,14 @@
               </a:lnSpc>
               <a:buNone/>
             </a:pPr>
-            <a:fld id="{81CEFCCE-0A78-4B51-95F3-3C7D2C50D9FC}" type="slidenum">
+            <a:fld id="{2F38B398-FFBB-4D8A-A441-D1D904B489AE}" type="slidenum">
               <a:rPr b="0" lang="en-US" sz="1200" spc="-1" strike="noStrike">
                 <a:solidFill>
                   <a:srgbClr val="8b8b8b"/>
                 </a:solidFill>
                 <a:latin typeface="Calibri"/>
               </a:rPr>
-              <a:t>&lt;number&gt;</a:t>
+              <a:t>1</a:t>
             </a:fld>
             <a:endParaRPr b="0" lang="en-HK" sz="1200" spc="-1" strike="noStrike">
               <a:latin typeface="Times New Roman"/>
@@ -2456,7 +2456,7 @@
               <a:rPr b="0" lang="en-HK" sz="1400" spc="-1" strike="noStrike">
                 <a:latin typeface="Times New Roman"/>
               </a:rPr>
-              <a:t>&lt;date/time&gt;</a:t>
+              <a:t> </a:t>
             </a:r>
             <a:endParaRPr b="0" lang="en-HK" sz="1400" spc="-1" strike="noStrike">
               <a:latin typeface="Times New Roman"/>
